--- a/Documents/Powerpoints/1.4 Operators and Overloading.pptx
+++ b/Documents/Powerpoints/1.4 Operators and Overloading.pptx
@@ -22,7 +22,8 @@
     <p:sldId id="270" r:id="rId16"/>
     <p:sldId id="271" r:id="rId17"/>
     <p:sldId id="273" r:id="rId18"/>
-    <p:sldId id="272" r:id="rId19"/>
+    <p:sldId id="274" r:id="rId19"/>
+    <p:sldId id="272" r:id="rId20"/>
   </p:sldIdLst>
   <p:sldSz cx="12192000" cy="6858000"/>
   <p:notesSz cx="6858000" cy="9144000"/>
@@ -314,7 +315,7 @@
           <a:p>
             <a:fld id="{517570FD-78B0-488A-8CDF-FCC61FEA96CB}" type="datetimeFigureOut">
               <a:rPr lang="en-US" smtClean="0"/>
-              <a:t>2/3/2019</a:t>
+              <a:t>2/4/2019</a:t>
             </a:fld>
             <a:endParaRPr lang="en-US"/>
           </a:p>
@@ -617,7 +618,7 @@
           <a:p>
             <a:fld id="{517570FD-78B0-488A-8CDF-FCC61FEA96CB}" type="datetimeFigureOut">
               <a:rPr lang="en-US" smtClean="0"/>
-              <a:t>2/3/2019</a:t>
+              <a:t>2/4/2019</a:t>
             </a:fld>
             <a:endParaRPr lang="en-US"/>
           </a:p>
@@ -809,7 +810,7 @@
           <a:p>
             <a:fld id="{517570FD-78B0-488A-8CDF-FCC61FEA96CB}" type="datetimeFigureOut">
               <a:rPr lang="en-US" smtClean="0"/>
-              <a:t>2/3/2019</a:t>
+              <a:t>2/4/2019</a:t>
             </a:fld>
             <a:endParaRPr lang="en-US"/>
           </a:p>
@@ -1070,7 +1071,7 @@
           <a:p>
             <a:fld id="{517570FD-78B0-488A-8CDF-FCC61FEA96CB}" type="datetimeFigureOut">
               <a:rPr lang="en-US" smtClean="0"/>
-              <a:t>2/3/2019</a:t>
+              <a:t>2/4/2019</a:t>
             </a:fld>
             <a:endParaRPr lang="en-US"/>
           </a:p>
@@ -1494,7 +1495,7 @@
           <a:p>
             <a:fld id="{517570FD-78B0-488A-8CDF-FCC61FEA96CB}" type="datetimeFigureOut">
               <a:rPr lang="en-US" smtClean="0"/>
-              <a:t>2/3/2019</a:t>
+              <a:t>2/4/2019</a:t>
             </a:fld>
             <a:endParaRPr lang="en-US"/>
           </a:p>
@@ -2031,7 +2032,7 @@
           <a:p>
             <a:fld id="{517570FD-78B0-488A-8CDF-FCC61FEA96CB}" type="datetimeFigureOut">
               <a:rPr lang="en-US" smtClean="0"/>
-              <a:t>2/3/2019</a:t>
+              <a:t>2/4/2019</a:t>
             </a:fld>
             <a:endParaRPr lang="en-US"/>
           </a:p>
@@ -2895,7 +2896,7 @@
           <a:p>
             <a:fld id="{517570FD-78B0-488A-8CDF-FCC61FEA96CB}" type="datetimeFigureOut">
               <a:rPr lang="en-US" smtClean="0"/>
-              <a:t>2/3/2019</a:t>
+              <a:t>2/4/2019</a:t>
             </a:fld>
             <a:endParaRPr lang="en-US"/>
           </a:p>
@@ -3065,7 +3066,7 @@
           <a:p>
             <a:fld id="{517570FD-78B0-488A-8CDF-FCC61FEA96CB}" type="datetimeFigureOut">
               <a:rPr lang="en-US" smtClean="0"/>
-              <a:t>2/3/2019</a:t>
+              <a:t>2/4/2019</a:t>
             </a:fld>
             <a:endParaRPr lang="en-US"/>
           </a:p>
@@ -3249,7 +3250,7 @@
           <a:p>
             <a:fld id="{517570FD-78B0-488A-8CDF-FCC61FEA96CB}" type="datetimeFigureOut">
               <a:rPr lang="en-US" smtClean="0"/>
-              <a:t>2/3/2019</a:t>
+              <a:t>2/4/2019</a:t>
             </a:fld>
             <a:endParaRPr lang="en-US"/>
           </a:p>
@@ -3424,7 +3425,7 @@
           <a:p>
             <a:fld id="{517570FD-78B0-488A-8CDF-FCC61FEA96CB}" type="datetimeFigureOut">
               <a:rPr lang="en-US" smtClean="0"/>
-              <a:t>2/3/2019</a:t>
+              <a:t>2/4/2019</a:t>
             </a:fld>
             <a:endParaRPr lang="en-US"/>
           </a:p>
@@ -3668,7 +3669,7 @@
           <a:p>
             <a:fld id="{517570FD-78B0-488A-8CDF-FCC61FEA96CB}" type="datetimeFigureOut">
               <a:rPr lang="en-US" smtClean="0"/>
-              <a:t>2/3/2019</a:t>
+              <a:t>2/4/2019</a:t>
             </a:fld>
             <a:endParaRPr lang="en-US"/>
           </a:p>
@@ -3909,7 +3910,7 @@
           <a:p>
             <a:fld id="{517570FD-78B0-488A-8CDF-FCC61FEA96CB}" type="datetimeFigureOut">
               <a:rPr lang="en-US" smtClean="0"/>
-              <a:t>2/3/2019</a:t>
+              <a:t>2/4/2019</a:t>
             </a:fld>
             <a:endParaRPr lang="en-US"/>
           </a:p>
@@ -4375,7 +4376,7 @@
           <a:p>
             <a:fld id="{517570FD-78B0-488A-8CDF-FCC61FEA96CB}" type="datetimeFigureOut">
               <a:rPr lang="en-US" smtClean="0"/>
-              <a:t>2/3/2019</a:t>
+              <a:t>2/4/2019</a:t>
             </a:fld>
             <a:endParaRPr lang="en-US"/>
           </a:p>
@@ -4493,7 +4494,7 @@
           <a:p>
             <a:fld id="{517570FD-78B0-488A-8CDF-FCC61FEA96CB}" type="datetimeFigureOut">
               <a:rPr lang="en-US" smtClean="0"/>
-              <a:t>2/3/2019</a:t>
+              <a:t>2/4/2019</a:t>
             </a:fld>
             <a:endParaRPr lang="en-US"/>
           </a:p>
@@ -4588,7 +4589,7 @@
           <a:p>
             <a:fld id="{517570FD-78B0-488A-8CDF-FCC61FEA96CB}" type="datetimeFigureOut">
               <a:rPr lang="en-US" smtClean="0"/>
-              <a:t>2/3/2019</a:t>
+              <a:t>2/4/2019</a:t>
             </a:fld>
             <a:endParaRPr lang="en-US"/>
           </a:p>
@@ -4843,7 +4844,7 @@
           <a:p>
             <a:fld id="{517570FD-78B0-488A-8CDF-FCC61FEA96CB}" type="datetimeFigureOut">
               <a:rPr lang="en-US" smtClean="0"/>
-              <a:t>2/3/2019</a:t>
+              <a:t>2/4/2019</a:t>
             </a:fld>
             <a:endParaRPr lang="en-US"/>
           </a:p>
@@ -5143,7 +5144,7 @@
           <a:p>
             <a:fld id="{517570FD-78B0-488A-8CDF-FCC61FEA96CB}" type="datetimeFigureOut">
               <a:rPr lang="en-US" smtClean="0"/>
-              <a:t>2/3/2019</a:t>
+              <a:t>2/4/2019</a:t>
             </a:fld>
             <a:endParaRPr lang="en-US"/>
           </a:p>
@@ -5377,7 +5378,7 @@
           <a:p>
             <a:fld id="{517570FD-78B0-488A-8CDF-FCC61FEA96CB}" type="datetimeFigureOut">
               <a:rPr lang="en-US" smtClean="0"/>
-              <a:t>2/3/2019</a:t>
+              <a:t>2/4/2019</a:t>
             </a:fld>
             <a:endParaRPr lang="en-US"/>
           </a:p>
@@ -7604,15 +7605,7 @@
             <a:pPr lvl="1"/>
             <a:r>
               <a:rPr lang="en-US" dirty="0"/>
-              <a:t>Instead of writing a method to get access to a single AI actor, write an </a:t>
-            </a:r>
-            <a:r>
-              <a:rPr lang="en-US" dirty="0" err="1"/>
-              <a:t>indexor</a:t>
-            </a:r>
-            <a:r>
-              <a:rPr lang="en-US" dirty="0"/>
-              <a:t> using a dictionary to the character name.</a:t>
+              <a:t>Instead of writing a method to get access to a single AI actor, write an indexer using a dictionary to the character name.</a:t>
             </a:r>
           </a:p>
           <a:p>
@@ -7680,6 +7673,154 @@
 </file>
 
 <file path=ppt/slides/slide18.xml><?xml version="1.0" encoding="utf-8"?>
+<p:sld xmlns:a="http://schemas.openxmlformats.org/drawingml/2006/main" xmlns:r="http://schemas.openxmlformats.org/officeDocument/2006/relationships" xmlns:p="http://schemas.openxmlformats.org/presentationml/2006/main">
+  <p:cSld>
+    <p:spTree>
+      <p:nvGrpSpPr>
+        <p:cNvPr id="1" name=""/>
+        <p:cNvGrpSpPr/>
+        <p:nvPr/>
+      </p:nvGrpSpPr>
+      <p:grpSpPr>
+        <a:xfrm>
+          <a:off x="0" y="0"/>
+          <a:ext cx="0" cy="0"/>
+          <a:chOff x="0" y="0"/>
+          <a:chExt cx="0" cy="0"/>
+        </a:xfrm>
+      </p:grpSpPr>
+      <p:sp>
+        <p:nvSpPr>
+          <p:cNvPr id="2" name="Title 1">
+            <a:extLst>
+              <a:ext uri="{FF2B5EF4-FFF2-40B4-BE49-F238E27FC236}">
+                <a16:creationId xmlns:a16="http://schemas.microsoft.com/office/drawing/2014/main" id="{44964B44-5ACB-44C8-A065-F99C1D5F43CC}"/>
+              </a:ext>
+            </a:extLst>
+          </p:cNvPr>
+          <p:cNvSpPr>
+            <a:spLocks noGrp="1"/>
+          </p:cNvSpPr>
+          <p:nvPr>
+            <p:ph type="title"/>
+          </p:nvPr>
+        </p:nvSpPr>
+        <p:spPr/>
+        <p:txBody>
+          <a:bodyPr/>
+          <a:lstStyle/>
+          <a:p>
+            <a:r>
+              <a:rPr lang="en-US" dirty="0"/>
+              <a:t>Explicit &amp; Implicit Casting</a:t>
+            </a:r>
+          </a:p>
+        </p:txBody>
+      </p:sp>
+      <p:pic>
+        <p:nvPicPr>
+          <p:cNvPr id="4" name="Picture 3">
+            <a:extLst>
+              <a:ext uri="{FF2B5EF4-FFF2-40B4-BE49-F238E27FC236}">
+                <a16:creationId xmlns:a16="http://schemas.microsoft.com/office/drawing/2014/main" id="{4F783A18-33A5-469A-8D56-03220DAF26F0}"/>
+              </a:ext>
+            </a:extLst>
+          </p:cNvPr>
+          <p:cNvPicPr>
+            <a:picLocks noChangeAspect="1"/>
+          </p:cNvPicPr>
+          <p:nvPr/>
+        </p:nvPicPr>
+        <p:blipFill>
+          <a:blip r:embed="rId2"/>
+          <a:stretch>
+            <a:fillRect/>
+          </a:stretch>
+        </p:blipFill>
+        <p:spPr>
+          <a:xfrm>
+            <a:off x="191081" y="1580049"/>
+            <a:ext cx="5709661" cy="2928345"/>
+          </a:xfrm>
+          <a:prstGeom prst="rect">
+            <a:avLst/>
+          </a:prstGeom>
+        </p:spPr>
+      </p:pic>
+      <p:pic>
+        <p:nvPicPr>
+          <p:cNvPr id="5" name="Picture 4">
+            <a:extLst>
+              <a:ext uri="{FF2B5EF4-FFF2-40B4-BE49-F238E27FC236}">
+                <a16:creationId xmlns:a16="http://schemas.microsoft.com/office/drawing/2014/main" id="{6C298F8C-2468-49BA-B754-547329CCC3F5}"/>
+              </a:ext>
+            </a:extLst>
+          </p:cNvPr>
+          <p:cNvPicPr>
+            <a:picLocks noChangeAspect="1"/>
+          </p:cNvPicPr>
+          <p:nvPr/>
+        </p:nvPicPr>
+        <p:blipFill>
+          <a:blip r:embed="rId3"/>
+          <a:stretch>
+            <a:fillRect/>
+          </a:stretch>
+        </p:blipFill>
+        <p:spPr>
+          <a:xfrm>
+            <a:off x="6291259" y="1580050"/>
+            <a:ext cx="5795935" cy="2928344"/>
+          </a:xfrm>
+          <a:prstGeom prst="rect">
+            <a:avLst/>
+          </a:prstGeom>
+        </p:spPr>
+      </p:pic>
+      <p:pic>
+        <p:nvPicPr>
+          <p:cNvPr id="6" name="Picture 5">
+            <a:extLst>
+              <a:ext uri="{FF2B5EF4-FFF2-40B4-BE49-F238E27FC236}">
+                <a16:creationId xmlns:a16="http://schemas.microsoft.com/office/drawing/2014/main" id="{54B3248D-21A2-4D59-B94A-7AA07F784EA2}"/>
+              </a:ext>
+            </a:extLst>
+          </p:cNvPr>
+          <p:cNvPicPr>
+            <a:picLocks noChangeAspect="1"/>
+          </p:cNvPicPr>
+          <p:nvPr/>
+        </p:nvPicPr>
+        <p:blipFill>
+          <a:blip r:embed="rId4"/>
+          <a:stretch>
+            <a:fillRect/>
+          </a:stretch>
+        </p:blipFill>
+        <p:spPr>
+          <a:xfrm>
+            <a:off x="3182079" y="4609323"/>
+            <a:ext cx="5827842" cy="1942614"/>
+          </a:xfrm>
+          <a:prstGeom prst="rect">
+            <a:avLst/>
+          </a:prstGeom>
+        </p:spPr>
+      </p:pic>
+    </p:spTree>
+    <p:extLst>
+      <p:ext uri="{BB962C8B-B14F-4D97-AF65-F5344CB8AC3E}">
+        <p14:creationId xmlns:p14="http://schemas.microsoft.com/office/powerpoint/2010/main" val="3695713193"/>
+      </p:ext>
+    </p:extLst>
+  </p:cSld>
+  <p:clrMapOvr>
+    <a:masterClrMapping/>
+  </p:clrMapOvr>
+</p:sld>
+</file>
+
+<file path=ppt/slides/slide19.xml><?xml version="1.0" encoding="utf-8"?>
 <p:sld xmlns:a="http://schemas.openxmlformats.org/drawingml/2006/main" xmlns:r="http://schemas.openxmlformats.org/officeDocument/2006/relationships" xmlns:p="http://schemas.openxmlformats.org/presentationml/2006/main">
   <p:cSld>
     <p:spTree>
